--- a/剱持データ/一枚まとめ「3年後期企画」.pptx
+++ b/剱持データ/一枚まとめ「3年後期企画」.pptx
@@ -5062,7 +5062,7 @@
         <p:spPr>
           <a:xfrm flipV="1">
             <a:off x="2284895" y="8224993"/>
-            <a:ext cx="377215" cy="697994"/>
+            <a:ext cx="377215" cy="732394"/>
           </a:xfrm>
           <a:prstGeom prst="bentConnector3">
             <a:avLst>
@@ -5113,8 +5113,8 @@
         </p:nvSpPr>
         <p:spPr>
           <a:xfrm>
-            <a:off x="99908" y="8114912"/>
-            <a:ext cx="2184987" cy="1616150"/>
+            <a:off x="99908" y="8183712"/>
+            <a:ext cx="2184987" cy="1547350"/>
           </a:xfrm>
           <a:prstGeom prst="rect">
             <a:avLst/>
@@ -5289,8 +5289,8 @@
         </p:nvSpPr>
         <p:spPr>
           <a:xfrm>
-            <a:off x="99030" y="6742678"/>
-            <a:ext cx="2184987" cy="1297155"/>
+            <a:off x="99030" y="6190541"/>
+            <a:ext cx="2184987" cy="1902838"/>
           </a:xfrm>
           <a:prstGeom prst="rect">
             <a:avLst/>
@@ -5403,8 +5403,8 @@
         </p:nvSpPr>
         <p:spPr>
           <a:xfrm>
-            <a:off x="56823" y="6825276"/>
-            <a:ext cx="2305651" cy="1200329"/>
+            <a:off x="56823" y="6189782"/>
+            <a:ext cx="2305651" cy="2031325"/>
           </a:xfrm>
           <a:prstGeom prst="rect">
             <a:avLst/>
@@ -5440,7 +5440,7 @@
                 <a:latin typeface="メイリオ" panose="020B0604030504040204" pitchFamily="50" charset="-128"/>
                 <a:ea typeface="メイリオ" panose="020B0604030504040204" pitchFamily="50" charset="-128"/>
               </a:rPr>
-              <a:t>コアが触れると、</a:t>
+              <a:t>マザーに向かって</a:t>
             </a:r>
             <a:endParaRPr kumimoji="1" lang="en-US" altLang="ja-JP" b="1" dirty="0">
               <a:latin typeface="メイリオ" panose="020B0604030504040204" pitchFamily="50" charset="-128"/>
@@ -5453,7 +5453,39 @@
                 <a:latin typeface="メイリオ" panose="020B0604030504040204" pitchFamily="50" charset="-128"/>
                 <a:ea typeface="メイリオ" panose="020B0604030504040204" pitchFamily="50" charset="-128"/>
               </a:rPr>
-              <a:t>それぞれの特有の</a:t>
+              <a:t>縮小する円。</a:t>
+            </a:r>
+            <a:endParaRPr kumimoji="1" lang="en-US" altLang="ja-JP" b="1" dirty="0">
+              <a:latin typeface="メイリオ" panose="020B0604030504040204" pitchFamily="50" charset="-128"/>
+              <a:ea typeface="メイリオ" panose="020B0604030504040204" pitchFamily="50" charset="-128"/>
+            </a:endParaRPr>
+          </a:p>
+          <a:p>
+            <a:endParaRPr kumimoji="1" lang="en-US" altLang="ja-JP" sz="1400" b="1" dirty="0">
+              <a:latin typeface="メイリオ" panose="020B0604030504040204" pitchFamily="50" charset="-128"/>
+              <a:ea typeface="メイリオ" panose="020B0604030504040204" pitchFamily="50" charset="-128"/>
+            </a:endParaRPr>
+          </a:p>
+          <a:p>
+            <a:r>
+              <a:rPr kumimoji="1" lang="ja-JP" altLang="en-US" b="1" dirty="0">
+                <a:latin typeface="メイリオ" panose="020B0604030504040204" pitchFamily="50" charset="-128"/>
+                <a:ea typeface="メイリオ" panose="020B0604030504040204" pitchFamily="50" charset="-128"/>
+              </a:rPr>
+              <a:t>コアが触れると、</a:t>
+            </a:r>
+            <a:endParaRPr kumimoji="1" lang="en-US" altLang="ja-JP" b="1" dirty="0">
+              <a:latin typeface="メイリオ" panose="020B0604030504040204" pitchFamily="50" charset="-128"/>
+              <a:ea typeface="メイリオ" panose="020B0604030504040204" pitchFamily="50" charset="-128"/>
+            </a:endParaRPr>
+          </a:p>
+          <a:p>
+            <a:r>
+              <a:rPr kumimoji="1" lang="ja-JP" altLang="en-US" b="1" dirty="0">
+                <a:latin typeface="メイリオ" panose="020B0604030504040204" pitchFamily="50" charset="-128"/>
+                <a:ea typeface="メイリオ" panose="020B0604030504040204" pitchFamily="50" charset="-128"/>
+              </a:rPr>
+              <a:t>それぞれ特有の</a:t>
             </a:r>
             <a:endParaRPr kumimoji="1" lang="en-US" altLang="ja-JP" b="1" dirty="0">
               <a:latin typeface="メイリオ" panose="020B0604030504040204" pitchFamily="50" charset="-128"/>
@@ -5493,8 +5525,8 @@
         </p:nvCxnSpPr>
         <p:spPr>
           <a:xfrm>
-            <a:off x="2284895" y="5333364"/>
-            <a:ext cx="946738" cy="1592373"/>
+            <a:off x="2284017" y="5058850"/>
+            <a:ext cx="947616" cy="1866887"/>
           </a:xfrm>
           <a:prstGeom prst="bentConnector3">
             <a:avLst>
@@ -5601,8 +5633,8 @@
         </p:nvSpPr>
         <p:spPr>
           <a:xfrm>
-            <a:off x="99908" y="3993610"/>
-            <a:ext cx="2184987" cy="2679508"/>
+            <a:off x="99030" y="4028188"/>
+            <a:ext cx="2184987" cy="2061324"/>
           </a:xfrm>
           <a:prstGeom prst="rect">
             <a:avLst/>
@@ -5656,7 +5688,7 @@
         <p:spPr>
           <a:xfrm>
             <a:off x="84013" y="4005168"/>
-            <a:ext cx="2305651" cy="2769989"/>
+            <a:ext cx="2305651" cy="2123658"/>
           </a:xfrm>
           <a:prstGeom prst="rect">
             <a:avLst/>
@@ -5761,38 +5793,6 @@
                 <a:ea typeface="メイリオ" panose="020B0604030504040204" pitchFamily="50" charset="-128"/>
               </a:rPr>
               <a:t>たまる。</a:t>
-            </a:r>
-            <a:endParaRPr kumimoji="1" lang="en-US" altLang="ja-JP" b="1" dirty="0">
-              <a:latin typeface="メイリオ" panose="020B0604030504040204" pitchFamily="50" charset="-128"/>
-              <a:ea typeface="メイリオ" panose="020B0604030504040204" pitchFamily="50" charset="-128"/>
-            </a:endParaRPr>
-          </a:p>
-          <a:p>
-            <a:endParaRPr kumimoji="1" lang="en-US" altLang="ja-JP" sz="600" b="1" dirty="0">
-              <a:latin typeface="メイリオ" panose="020B0604030504040204" pitchFamily="50" charset="-128"/>
-              <a:ea typeface="メイリオ" panose="020B0604030504040204" pitchFamily="50" charset="-128"/>
-            </a:endParaRPr>
-          </a:p>
-          <a:p>
-            <a:r>
-              <a:rPr kumimoji="1" lang="ja-JP" altLang="en-US" b="1" dirty="0">
-                <a:latin typeface="メイリオ" panose="020B0604030504040204" pitchFamily="50" charset="-128"/>
-                <a:ea typeface="メイリオ" panose="020B0604030504040204" pitchFamily="50" charset="-128"/>
-              </a:rPr>
-              <a:t>マザーの体力は、</a:t>
-            </a:r>
-            <a:endParaRPr kumimoji="1" lang="en-US" altLang="ja-JP" b="1" dirty="0">
-              <a:latin typeface="メイリオ" panose="020B0604030504040204" pitchFamily="50" charset="-128"/>
-              <a:ea typeface="メイリオ" panose="020B0604030504040204" pitchFamily="50" charset="-128"/>
-            </a:endParaRPr>
-          </a:p>
-          <a:p>
-            <a:r>
-              <a:rPr kumimoji="1" lang="ja-JP" altLang="en-US" b="1" dirty="0">
-                <a:latin typeface="メイリオ" panose="020B0604030504040204" pitchFamily="50" charset="-128"/>
-                <a:ea typeface="メイリオ" panose="020B0604030504040204" pitchFamily="50" charset="-128"/>
-              </a:rPr>
-              <a:t>攻撃３回分。</a:t>
             </a:r>
             <a:endParaRPr kumimoji="1" lang="en-US" altLang="ja-JP" b="1" dirty="0">
               <a:latin typeface="メイリオ" panose="020B0604030504040204" pitchFamily="50" charset="-128"/>
@@ -6101,7 +6101,7 @@
                 <a:latin typeface="メイリオ" panose="020B0604030504040204" pitchFamily="50" charset="-128"/>
                 <a:ea typeface="メイリオ" panose="020B0604030504040204" pitchFamily="50" charset="-128"/>
               </a:rPr>
-              <a:t>・エネミーを倒す</a:t>
+              <a:t>・コアを破壊</a:t>
             </a:r>
             <a:endParaRPr kumimoji="1" lang="en-US" altLang="ja-JP" b="1" dirty="0">
               <a:latin typeface="メイリオ" panose="020B0604030504040204" pitchFamily="50" charset="-128"/>
@@ -6278,13 +6278,13 @@
         </p:nvCxnSpPr>
         <p:spPr>
           <a:xfrm>
-            <a:off x="2284017" y="7391256"/>
-            <a:ext cx="707041" cy="15251"/>
+            <a:off x="2284017" y="7141960"/>
+            <a:ext cx="707041" cy="264547"/>
           </a:xfrm>
           <a:prstGeom prst="bentConnector4">
             <a:avLst>
               <a:gd name="adj1" fmla="val 35588"/>
-              <a:gd name="adj2" fmla="val 1598918"/>
+              <a:gd name="adj2" fmla="val 186412"/>
             </a:avLst>
           </a:prstGeom>
           <a:ln w="38100">
